--- a/Day 5/day_5.pptx
+++ b/Day 5/day_5.pptx
@@ -335,7 +335,7 @@
           <a:p>
             <a:fld id="{A4A6734C-E115-4BC5-9FB0-F9BF6FABFDA0}" type="datetimeFigureOut">
               <a:rPr lang="en-US" smtClean="0"/>
-              <a:t>26/02/14</a:t>
+              <a:t>07/03/14</a:t>
             </a:fld>
             <a:endParaRPr lang="en-US"/>
           </a:p>
@@ -587,7 +587,7 @@
           <a:p>
             <a:fld id="{A4A6734C-E115-4BC5-9FB0-F9BF6FABFDA0}" type="datetimeFigureOut">
               <a:rPr lang="en-US" smtClean="0"/>
-              <a:t>26/02/14</a:t>
+              <a:t>07/03/14</a:t>
             </a:fld>
             <a:endParaRPr lang="en-US"/>
           </a:p>
@@ -986,7 +986,7 @@
           <a:p>
             <a:fld id="{A4A6734C-E115-4BC5-9FB0-F9BF6FABFDA0}" type="datetimeFigureOut">
               <a:rPr lang="en-US" smtClean="0"/>
-              <a:t>26/02/14</a:t>
+              <a:t>07/03/14</a:t>
             </a:fld>
             <a:endParaRPr lang="en-US"/>
           </a:p>
@@ -1385,7 +1385,7 @@
           <a:p>
             <a:fld id="{A4A6734C-E115-4BC5-9FB0-F9BF6FABFDA0}" type="datetimeFigureOut">
               <a:rPr lang="en-US" smtClean="0"/>
-              <a:t>26/02/14</a:t>
+              <a:t>07/03/14</a:t>
             </a:fld>
             <a:endParaRPr lang="en-US"/>
           </a:p>
@@ -1838,7 +1838,7 @@
           <a:p>
             <a:fld id="{A4A6734C-E115-4BC5-9FB0-F9BF6FABFDA0}" type="datetimeFigureOut">
               <a:rPr lang="en-US" smtClean="0"/>
-              <a:t>26/02/14</a:t>
+              <a:t>07/03/14</a:t>
             </a:fld>
             <a:endParaRPr lang="en-US"/>
           </a:p>
@@ -2393,7 +2393,7 @@
           <a:p>
             <a:fld id="{A4A6734C-E115-4BC5-9FB0-F9BF6FABFDA0}" type="datetimeFigureOut">
               <a:rPr lang="en-US" smtClean="0"/>
-              <a:t>26/02/14</a:t>
+              <a:t>07/03/14</a:t>
             </a:fld>
             <a:endParaRPr lang="en-US"/>
           </a:p>
@@ -3082,7 +3082,7 @@
           <a:p>
             <a:fld id="{A4A6734C-E115-4BC5-9FB0-F9BF6FABFDA0}" type="datetimeFigureOut">
               <a:rPr lang="en-US" smtClean="0"/>
-              <a:t>26/02/14</a:t>
+              <a:t>07/03/14</a:t>
             </a:fld>
             <a:endParaRPr lang="en-US"/>
           </a:p>
@@ -3296,7 +3296,7 @@
           <a:p>
             <a:fld id="{A4A6734C-E115-4BC5-9FB0-F9BF6FABFDA0}" type="datetimeFigureOut">
               <a:rPr lang="en-US" smtClean="0"/>
-              <a:t>26/02/14</a:t>
+              <a:t>07/03/14</a:t>
             </a:fld>
             <a:endParaRPr lang="en-US"/>
           </a:p>
@@ -3496,7 +3496,7 @@
           <a:p>
             <a:fld id="{A4A6734C-E115-4BC5-9FB0-F9BF6FABFDA0}" type="datetimeFigureOut">
               <a:rPr lang="en-US" smtClean="0"/>
-              <a:t>26/02/14</a:t>
+              <a:t>07/03/14</a:t>
             </a:fld>
             <a:endParaRPr lang="en-US"/>
           </a:p>
@@ -3799,7 +3799,7 @@
           <a:p>
             <a:fld id="{A4A6734C-E115-4BC5-9FB0-F9BF6FABFDA0}" type="datetimeFigureOut">
               <a:rPr lang="en-US" smtClean="0"/>
-              <a:t>26/02/14</a:t>
+              <a:t>07/03/14</a:t>
             </a:fld>
             <a:endParaRPr lang="en-US"/>
           </a:p>
@@ -4420,7 +4420,7 @@
           <a:p>
             <a:fld id="{A4A6734C-E115-4BC5-9FB0-F9BF6FABFDA0}" type="datetimeFigureOut">
               <a:rPr lang="en-US" smtClean="0"/>
-              <a:t>26/02/14</a:t>
+              <a:t>07/03/14</a:t>
             </a:fld>
             <a:endParaRPr lang="en-US"/>
           </a:p>
@@ -4749,7 +4749,7 @@
           <a:p>
             <a:fld id="{A4A6734C-E115-4BC5-9FB0-F9BF6FABFDA0}" type="datetimeFigureOut">
               <a:rPr lang="en-US" smtClean="0"/>
-              <a:t>26/02/14</a:t>
+              <a:t>07/03/14</a:t>
             </a:fld>
             <a:endParaRPr lang="en-US"/>
           </a:p>
@@ -5222,7 +5222,7 @@
           <a:p>
             <a:fld id="{A4A6734C-E115-4BC5-9FB0-F9BF6FABFDA0}" type="datetimeFigureOut">
               <a:rPr lang="en-US" smtClean="0"/>
-              <a:t>26/02/14</a:t>
+              <a:t>07/03/14</a:t>
             </a:fld>
             <a:endParaRPr lang="en-US"/>
           </a:p>
@@ -5366,7 +5366,7 @@
           <a:p>
             <a:fld id="{A4A6734C-E115-4BC5-9FB0-F9BF6FABFDA0}" type="datetimeFigureOut">
               <a:rPr lang="en-US" smtClean="0"/>
-              <a:t>26/02/14</a:t>
+              <a:t>07/03/14</a:t>
             </a:fld>
             <a:endParaRPr lang="en-US"/>
           </a:p>
@@ -5456,7 +5456,7 @@
           <a:p>
             <a:fld id="{A4A6734C-E115-4BC5-9FB0-F9BF6FABFDA0}" type="datetimeFigureOut">
               <a:rPr lang="en-US" smtClean="0"/>
-              <a:t>26/02/14</a:t>
+              <a:t>07/03/14</a:t>
             </a:fld>
             <a:endParaRPr lang="en-US"/>
           </a:p>
@@ -5737,7 +5737,7 @@
           <a:p>
             <a:fld id="{A4A6734C-E115-4BC5-9FB0-F9BF6FABFDA0}" type="datetimeFigureOut">
               <a:rPr lang="en-US" smtClean="0"/>
-              <a:t>26/02/14</a:t>
+              <a:t>07/03/14</a:t>
             </a:fld>
             <a:endParaRPr lang="en-US"/>
           </a:p>
@@ -6033,7 +6033,7 @@
           <a:p>
             <a:fld id="{A4A6734C-E115-4BC5-9FB0-F9BF6FABFDA0}" type="datetimeFigureOut">
               <a:rPr lang="en-US" smtClean="0"/>
-              <a:t>26/02/14</a:t>
+              <a:t>07/03/14</a:t>
             </a:fld>
             <a:endParaRPr lang="en-US"/>
           </a:p>
@@ -6466,20 +6466,43 @@
               <a:t>app from </a:t>
             </a:r>
             <a:r>
-              <a:rPr lang="fi-FI" dirty="0">
+              <a:rPr lang="en-US" dirty="0">
+                <a:solidFill>
+                  <a:srgbClr val="000000"/>
+                </a:solidFill>
+              </a:rPr>
+              <a:t> </a:t>
+            </a:r>
+            <a:r>
+              <a:rPr lang="fr-FR" dirty="0">
                 <a:hlinkClick r:id="rId2"/>
               </a:rPr>
-              <a:t>git@github.com:NazneenRupawalla/Android-Bootcamp-V1.1.</a:t>
-            </a:r>
-            <a:r>
-              <a:rPr lang="fi-FI" dirty="0" smtClean="0">
-                <a:hlinkClick r:id="rId2"/>
-              </a:rPr>
-              <a:t>git</a:t>
-            </a:r>
-            <a:endParaRPr lang="fi-FI" dirty="0" smtClean="0"/>
-          </a:p>
-          <a:p>
+              <a:t>https://github.com/androidbootcamp/Android-Bootcamp-V1.1</a:t>
+            </a:r>
+            <a:r>
+              <a:rPr lang="fr-FR" dirty="0"/>
+              <a:t> and </a:t>
+            </a:r>
+            <a:r>
+              <a:rPr lang="fr-FR" dirty="0" err="1"/>
+              <a:t>checkout</a:t>
+            </a:r>
+            <a:r>
+              <a:rPr lang="fr-FR"/>
+              <a:t> </a:t>
+            </a:r>
+            <a:r>
+              <a:rPr lang="fr-FR" smtClean="0"/>
+              <a:t>Day_5 </a:t>
+            </a:r>
+            <a:r>
+              <a:rPr lang="fr-FR" dirty="0" err="1"/>
+              <a:t>branch</a:t>
+            </a:r>
+            <a:r>
+              <a:rPr lang="fr-FR" dirty="0"/>
+              <a:t>.</a:t>
+            </a:r>
             <a:endParaRPr lang="fr-FR" dirty="0"/>
           </a:p>
         </p:txBody>
